--- a/4 MLOPS- GIT - part  1.pptx
+++ b/4 MLOPS- GIT - part  1.pptx
@@ -5,7 +5,7 @@
     <p:sldMasterId id="2147483648" r:id="rId1"/>
   </p:sldMasterIdLst>
   <p:notesMasterIdLst>
-    <p:notesMasterId r:id="rId30"/>
+    <p:notesMasterId r:id="rId32"/>
   </p:notesMasterIdLst>
   <p:sldIdLst>
     <p:sldId id="256" r:id="rId2"/>
@@ -24,18 +24,20 @@
     <p:sldId id="308" r:id="rId15"/>
     <p:sldId id="309" r:id="rId16"/>
     <p:sldId id="325" r:id="rId17"/>
-    <p:sldId id="310" r:id="rId18"/>
-    <p:sldId id="311" r:id="rId19"/>
-    <p:sldId id="312" r:id="rId20"/>
+    <p:sldId id="322" r:id="rId18"/>
+    <p:sldId id="310" r:id="rId19"/>
+    <p:sldId id="311" r:id="rId20"/>
     <p:sldId id="335" r:id="rId21"/>
-    <p:sldId id="313" r:id="rId22"/>
-    <p:sldId id="314" r:id="rId23"/>
-    <p:sldId id="315" r:id="rId24"/>
-    <p:sldId id="316" r:id="rId25"/>
-    <p:sldId id="317" r:id="rId26"/>
-    <p:sldId id="318" r:id="rId27"/>
-    <p:sldId id="322" r:id="rId28"/>
-    <p:sldId id="262" r:id="rId29"/>
+    <p:sldId id="336" r:id="rId22"/>
+    <p:sldId id="313" r:id="rId23"/>
+    <p:sldId id="314" r:id="rId24"/>
+    <p:sldId id="315" r:id="rId25"/>
+    <p:sldId id="337" r:id="rId26"/>
+    <p:sldId id="316" r:id="rId27"/>
+    <p:sldId id="338" r:id="rId28"/>
+    <p:sldId id="317" r:id="rId29"/>
+    <p:sldId id="318" r:id="rId30"/>
+    <p:sldId id="262" r:id="rId31"/>
   </p:sldIdLst>
   <p:sldSz cx="12192000" cy="6858000"/>
   <p:notesSz cx="6858000" cy="9144000"/>
@@ -224,7 +226,7 @@
           <a:p>
             <a:fld id="{FF6708B1-AE4C-472D-98E1-412BE332432A}" type="datetimeFigureOut">
               <a:rPr lang="en-IN" smtClean="0"/>
-              <a:t>22-03-2024</a:t>
+              <a:t>23-03-2024</a:t>
             </a:fld>
             <a:endParaRPr lang="en-IN"/>
           </a:p>
@@ -641,7 +643,7 @@
           <a:p>
             <a:fld id="{D0C143A3-E2B6-4A0E-998C-0F34B1248FEF}" type="datetimeFigureOut">
               <a:rPr lang="en-IN" smtClean="0"/>
-              <a:t>22-03-2024</a:t>
+              <a:t>23-03-2024</a:t>
             </a:fld>
             <a:endParaRPr lang="en-IN"/>
           </a:p>
@@ -841,7 +843,7 @@
           <a:p>
             <a:fld id="{D0C143A3-E2B6-4A0E-998C-0F34B1248FEF}" type="datetimeFigureOut">
               <a:rPr lang="en-IN" smtClean="0"/>
-              <a:t>22-03-2024</a:t>
+              <a:t>23-03-2024</a:t>
             </a:fld>
             <a:endParaRPr lang="en-IN"/>
           </a:p>
@@ -1051,7 +1053,7 @@
           <a:p>
             <a:fld id="{D0C143A3-E2B6-4A0E-998C-0F34B1248FEF}" type="datetimeFigureOut">
               <a:rPr lang="en-IN" smtClean="0"/>
-              <a:t>22-03-2024</a:t>
+              <a:t>23-03-2024</a:t>
             </a:fld>
             <a:endParaRPr lang="en-IN"/>
           </a:p>
@@ -1295,7 +1297,7 @@
           <a:p>
             <a:fld id="{D0C143A3-E2B6-4A0E-998C-0F34B1248FEF}" type="datetimeFigureOut">
               <a:rPr lang="en-IN" smtClean="0"/>
-              <a:t>22-03-2024</a:t>
+              <a:t>23-03-2024</a:t>
             </a:fld>
             <a:endParaRPr lang="en-IN"/>
           </a:p>
@@ -1618,7 +1620,7 @@
           <a:p>
             <a:fld id="{D0C143A3-E2B6-4A0E-998C-0F34B1248FEF}" type="datetimeFigureOut">
               <a:rPr lang="en-IN" smtClean="0"/>
-              <a:t>22-03-2024</a:t>
+              <a:t>23-03-2024</a:t>
             </a:fld>
             <a:endParaRPr lang="en-IN"/>
           </a:p>
@@ -1886,7 +1888,7 @@
           <a:p>
             <a:fld id="{D0C143A3-E2B6-4A0E-998C-0F34B1248FEF}" type="datetimeFigureOut">
               <a:rPr lang="en-IN" smtClean="0"/>
-              <a:t>22-03-2024</a:t>
+              <a:t>23-03-2024</a:t>
             </a:fld>
             <a:endParaRPr lang="en-IN"/>
           </a:p>
@@ -2301,7 +2303,7 @@
           <a:p>
             <a:fld id="{D0C143A3-E2B6-4A0E-998C-0F34B1248FEF}" type="datetimeFigureOut">
               <a:rPr lang="en-IN" smtClean="0"/>
-              <a:t>22-03-2024</a:t>
+              <a:t>23-03-2024</a:t>
             </a:fld>
             <a:endParaRPr lang="en-IN"/>
           </a:p>
@@ -2443,7 +2445,7 @@
           <a:p>
             <a:fld id="{D0C143A3-E2B6-4A0E-998C-0F34B1248FEF}" type="datetimeFigureOut">
               <a:rPr lang="en-IN" smtClean="0"/>
-              <a:t>22-03-2024</a:t>
+              <a:t>23-03-2024</a:t>
             </a:fld>
             <a:endParaRPr lang="en-IN"/>
           </a:p>
@@ -2556,7 +2558,7 @@
           <a:p>
             <a:fld id="{D0C143A3-E2B6-4A0E-998C-0F34B1248FEF}" type="datetimeFigureOut">
               <a:rPr lang="en-IN" smtClean="0"/>
-              <a:t>22-03-2024</a:t>
+              <a:t>23-03-2024</a:t>
             </a:fld>
             <a:endParaRPr lang="en-IN"/>
           </a:p>
@@ -2869,7 +2871,7 @@
           <a:p>
             <a:fld id="{D0C143A3-E2B6-4A0E-998C-0F34B1248FEF}" type="datetimeFigureOut">
               <a:rPr lang="en-IN" smtClean="0"/>
-              <a:t>22-03-2024</a:t>
+              <a:t>23-03-2024</a:t>
             </a:fld>
             <a:endParaRPr lang="en-IN"/>
           </a:p>
@@ -3158,7 +3160,7 @@
           <a:p>
             <a:fld id="{D0C143A3-E2B6-4A0E-998C-0F34B1248FEF}" type="datetimeFigureOut">
               <a:rPr lang="en-IN" smtClean="0"/>
-              <a:t>22-03-2024</a:t>
+              <a:t>23-03-2024</a:t>
             </a:fld>
             <a:endParaRPr lang="en-IN"/>
           </a:p>
@@ -3406,7 +3408,7 @@
           <a:p>
             <a:fld id="{D0C143A3-E2B6-4A0E-998C-0F34B1248FEF}" type="datetimeFigureOut">
               <a:rPr lang="en-IN" smtClean="0"/>
-              <a:t>22-03-2024</a:t>
+              <a:t>23-03-2024</a:t>
             </a:fld>
             <a:endParaRPr lang="en-IN"/>
           </a:p>
@@ -5044,7 +5046,7 @@
           <p:cNvPr id="2" name="Title 1">
             <a:extLst>
               <a:ext uri="{FF2B5EF4-FFF2-40B4-BE49-F238E27FC236}">
-                <a16:creationId xmlns:a16="http://schemas.microsoft.com/office/drawing/2014/main" id="{42CDEC7D-426D-F752-205C-76275C0EF904}"/>
+                <a16:creationId xmlns:a16="http://schemas.microsoft.com/office/drawing/2014/main" id="{B0D04745-B95E-F740-AF02-443A55C81C34}"/>
               </a:ext>
             </a:extLst>
           </p:cNvPr>
@@ -5061,8 +5063,12 @@
           <a:lstStyle/>
           <a:p>
             <a:r>
-              <a:rPr lang="en-US" dirty="0"/>
-              <a:t>log</a:t>
+              <a:rPr lang="en-US" dirty="0" err="1"/>
+              <a:t>Jamboard</a:t>
+            </a:r>
+            <a:r>
+              <a:rPr lang="en-US" dirty="0"/>
+              <a:t> activity</a:t>
             </a:r>
             <a:endParaRPr lang="en-IN" dirty="0"/>
           </a:p>
@@ -5073,7 +5079,7 @@
           <p:cNvPr id="3" name="Content Placeholder 2">
             <a:extLst>
               <a:ext uri="{FF2B5EF4-FFF2-40B4-BE49-F238E27FC236}">
-                <a16:creationId xmlns:a16="http://schemas.microsoft.com/office/drawing/2014/main" id="{16B30A6C-7D11-FD45-F894-74BBF17130E1}"/>
+                <a16:creationId xmlns:a16="http://schemas.microsoft.com/office/drawing/2014/main" id="{7E56D849-C3BE-051F-5204-6DADB51554BF}"/>
               </a:ext>
             </a:extLst>
           </p:cNvPr>
@@ -5086,75 +5092,18 @@
         </p:nvSpPr>
         <p:spPr/>
         <p:txBody>
-          <a:bodyPr>
-            <a:normAutofit fontScale="62500" lnSpcReduction="20000"/>
-          </a:bodyPr>
-          <a:lstStyle/>
-          <a:p>
-            <a:r>
-              <a:rPr lang="en-US" dirty="0"/>
-              <a:t>git log displays a history of commits in the repository, including commit messages, authors, and commit IDs.</a:t>
-            </a:r>
-          </a:p>
-          <a:p>
-            <a:r>
-              <a:rPr lang="en-US" dirty="0"/>
-              <a:t>Example:</a:t>
-            </a:r>
-          </a:p>
-          <a:p>
-            <a:r>
-              <a:rPr lang="en-US" dirty="0"/>
-              <a:t>git log</a:t>
-            </a:r>
-          </a:p>
-          <a:p>
-            <a:r>
-              <a:rPr lang="en-US" dirty="0"/>
-              <a:t>Parameters: </a:t>
-            </a:r>
-          </a:p>
-          <a:p>
-            <a:r>
-              <a:rPr lang="en-US" dirty="0"/>
-              <a:t>-&lt;n&gt;, --max-count=&lt;n&gt;: Limits the number of commits displayed to &lt;n&gt;.</a:t>
-            </a:r>
-          </a:p>
-          <a:p>
-            <a:r>
-              <a:rPr lang="en-US" dirty="0"/>
-              <a:t>--since=&lt;date&gt;: Shows commits more recent than a specific date.</a:t>
-            </a:r>
-          </a:p>
-          <a:p>
-            <a:r>
-              <a:rPr lang="en-US" dirty="0"/>
-              <a:t>--until=&lt;date&gt;: Shows commits older than a specific date.</a:t>
-            </a:r>
-          </a:p>
-          <a:p>
-            <a:r>
-              <a:rPr lang="en-US" dirty="0"/>
-              <a:t>--author=&lt;pattern&gt;: Shows commits made by authors matching the specified pattern.</a:t>
-            </a:r>
-          </a:p>
-          <a:p>
-            <a:r>
-              <a:rPr lang="en-US" dirty="0"/>
-              <a:t>--grep=&lt;pattern&gt;: Shows commits with commit messages that match the specified pattern.</a:t>
-            </a:r>
-          </a:p>
-          <a:p>
-            <a:r>
-              <a:rPr lang="en-US" dirty="0"/>
-              <a:t>--graph: Displays the commit history as a text-based graph, showing the branching and merging of commits.</a:t>
-            </a:r>
-          </a:p>
-          <a:p>
-            <a:r>
-              <a:rPr lang="en-US" dirty="0"/>
-              <a:t>--stat: Displays summary statistics for each commit, showing the number of files changed and the number of lines added or removed.</a:t>
-            </a:r>
+          <a:bodyPr/>
+          <a:lstStyle/>
+          <a:p>
+            <a:r>
+              <a:rPr lang="en-IN" dirty="0">
+                <a:hlinkClick r:id="rId2"/>
+              </a:rPr>
+              <a:t>https://jamboard.google.com/d/1HBB5NYy8-sbC8NAtdmd8d3OLo1fMkE1K1HfpUSiuL58/edit?usp=sharing</a:t>
+            </a:r>
+            <a:endParaRPr lang="en-IN" dirty="0"/>
+          </a:p>
+          <a:p>
             <a:endParaRPr lang="en-IN" dirty="0"/>
           </a:p>
         </p:txBody>
@@ -5162,7 +5111,7 @@
     </p:spTree>
     <p:extLst>
       <p:ext uri="{BB962C8B-B14F-4D97-AF65-F5344CB8AC3E}">
-        <p14:creationId xmlns:p14="http://schemas.microsoft.com/office/powerpoint/2010/main" val="3468178992"/>
+        <p14:creationId xmlns:p14="http://schemas.microsoft.com/office/powerpoint/2010/main" val="3957747788"/>
       </p:ext>
     </p:extLst>
   </p:cSld>
@@ -5194,7 +5143,7 @@
           <p:cNvPr id="2" name="Title 1">
             <a:extLst>
               <a:ext uri="{FF2B5EF4-FFF2-40B4-BE49-F238E27FC236}">
-                <a16:creationId xmlns:a16="http://schemas.microsoft.com/office/drawing/2014/main" id="{A92CE07D-E686-3EA2-3BEA-21F9549554FF}"/>
+                <a16:creationId xmlns:a16="http://schemas.microsoft.com/office/drawing/2014/main" id="{42CDEC7D-426D-F752-205C-76275C0EF904}"/>
               </a:ext>
             </a:extLst>
           </p:cNvPr>
@@ -5212,7 +5161,7 @@
           <a:p>
             <a:r>
               <a:rPr lang="en-US" dirty="0"/>
-              <a:t>diff</a:t>
+              <a:t>log</a:t>
             </a:r>
             <a:endParaRPr lang="en-IN" dirty="0"/>
           </a:p>
@@ -5223,7 +5172,7 @@
           <p:cNvPr id="3" name="Content Placeholder 2">
             <a:extLst>
               <a:ext uri="{FF2B5EF4-FFF2-40B4-BE49-F238E27FC236}">
-                <a16:creationId xmlns:a16="http://schemas.microsoft.com/office/drawing/2014/main" id="{963022E1-05EE-C9F0-155E-FAA2DB14A935}"/>
+                <a16:creationId xmlns:a16="http://schemas.microsoft.com/office/drawing/2014/main" id="{16B30A6C-7D11-FD45-F894-74BBF17130E1}"/>
               </a:ext>
             </a:extLst>
           </p:cNvPr>
@@ -5237,52 +5186,82 @@
         <p:spPr/>
         <p:txBody>
           <a:bodyPr>
-            <a:normAutofit/>
+            <a:normAutofit fontScale="62500" lnSpcReduction="20000"/>
           </a:bodyPr>
           <a:lstStyle/>
           <a:p>
             <a:r>
-              <a:rPr lang="en-US" sz="2000" dirty="0"/>
-              <a:t>When you run git diff without any arguments, Git will show you the differences between the changes in your working directory and the staging area. This includes changes that have been made but not yet staged for commit.</a:t>
-            </a:r>
-          </a:p>
-          <a:p>
-            <a:r>
-              <a:rPr lang="en-US" sz="2000" dirty="0"/>
+              <a:rPr lang="en-US" dirty="0"/>
+              <a:t>git log displays a history of commits in the repository, including commit messages, authors, and commit IDs.</a:t>
+            </a:r>
+          </a:p>
+          <a:p>
+            <a:r>
+              <a:rPr lang="en-US" dirty="0"/>
               <a:t>Example:</a:t>
             </a:r>
           </a:p>
           <a:p>
             <a:r>
-              <a:rPr lang="en-US" sz="2000" dirty="0"/>
-              <a:t>git diff</a:t>
-            </a:r>
-            <a:endParaRPr lang="en-IN" sz="2000" dirty="0"/>
-          </a:p>
-          <a:p>
-            <a:r>
-              <a:rPr lang="en-US" sz="2000" dirty="0"/>
-              <a:t>You can also specify files or directories as arguments to git diff to compare changes between different commits, branches, or specific files. For example:</a:t>
-            </a:r>
-          </a:p>
-          <a:p>
-            <a:r>
-              <a:rPr lang="en-US" sz="2000" dirty="0"/>
-              <a:t>git diff &lt;commit&gt;: Shows the differences between the working directory and the specified commit.</a:t>
-            </a:r>
-          </a:p>
-          <a:p>
-            <a:r>
-              <a:rPr lang="en-US" sz="2000" dirty="0"/>
-              <a:t>git diff &lt;commit&gt; &lt;file&gt;: Shows the differences between the specified commit and the version of the file in the working directory. </a:t>
-            </a:r>
+              <a:rPr lang="en-US" dirty="0"/>
+              <a:t>git log</a:t>
+            </a:r>
+          </a:p>
+          <a:p>
+            <a:r>
+              <a:rPr lang="en-US" dirty="0"/>
+              <a:t>Parameters: </a:t>
+            </a:r>
+          </a:p>
+          <a:p>
+            <a:r>
+              <a:rPr lang="en-US" dirty="0"/>
+              <a:t>-&lt;n&gt;, --max-count=&lt;n&gt;: Limits the number of commits displayed to &lt;n&gt;.</a:t>
+            </a:r>
+          </a:p>
+          <a:p>
+            <a:r>
+              <a:rPr lang="en-US" dirty="0"/>
+              <a:t>--since=&lt;date&gt;: Shows commits more recent than a specific date.</a:t>
+            </a:r>
+          </a:p>
+          <a:p>
+            <a:r>
+              <a:rPr lang="en-US" dirty="0"/>
+              <a:t>--until=&lt;date&gt;: Shows commits older than a specific date.</a:t>
+            </a:r>
+          </a:p>
+          <a:p>
+            <a:r>
+              <a:rPr lang="en-US" dirty="0"/>
+              <a:t>--author=&lt;pattern&gt;: Shows commits made by authors matching the specified pattern.</a:t>
+            </a:r>
+          </a:p>
+          <a:p>
+            <a:r>
+              <a:rPr lang="en-US" dirty="0"/>
+              <a:t>--grep=&lt;pattern&gt;: Shows commits with commit messages that match the specified pattern.</a:t>
+            </a:r>
+          </a:p>
+          <a:p>
+            <a:r>
+              <a:rPr lang="en-US" dirty="0"/>
+              <a:t>--graph: Displays the commit history as a text-based graph, showing the branching and merging of commits.</a:t>
+            </a:r>
+          </a:p>
+          <a:p>
+            <a:r>
+              <a:rPr lang="en-US" dirty="0"/>
+              <a:t>--stat: Displays summary statistics for each commit, showing the number of files changed and the number of lines added or removed.</a:t>
+            </a:r>
+            <a:endParaRPr lang="en-IN" dirty="0"/>
           </a:p>
         </p:txBody>
       </p:sp>
     </p:spTree>
     <p:extLst>
       <p:ext uri="{BB962C8B-B14F-4D97-AF65-F5344CB8AC3E}">
-        <p14:creationId xmlns:p14="http://schemas.microsoft.com/office/powerpoint/2010/main" val="2249891999"/>
+        <p14:creationId xmlns:p14="http://schemas.microsoft.com/office/powerpoint/2010/main" val="3468178992"/>
       </p:ext>
     </p:extLst>
   </p:cSld>
@@ -5314,7 +5293,7 @@
           <p:cNvPr id="2" name="Title 1">
             <a:extLst>
               <a:ext uri="{FF2B5EF4-FFF2-40B4-BE49-F238E27FC236}">
-                <a16:creationId xmlns:a16="http://schemas.microsoft.com/office/drawing/2014/main" id="{AA07EEB2-9468-76CC-2DC7-FE614A016567}"/>
+                <a16:creationId xmlns:a16="http://schemas.microsoft.com/office/drawing/2014/main" id="{A92CE07D-E686-3EA2-3BEA-21F9549554FF}"/>
               </a:ext>
             </a:extLst>
           </p:cNvPr>
@@ -5332,7 +5311,7 @@
           <a:p>
             <a:r>
               <a:rPr lang="en-US" dirty="0"/>
-              <a:t>rm</a:t>
+              <a:t>diff</a:t>
             </a:r>
             <a:endParaRPr lang="en-IN" dirty="0"/>
           </a:p>
@@ -5343,7 +5322,7 @@
           <p:cNvPr id="3" name="Content Placeholder 2">
             <a:extLst>
               <a:ext uri="{FF2B5EF4-FFF2-40B4-BE49-F238E27FC236}">
-                <a16:creationId xmlns:a16="http://schemas.microsoft.com/office/drawing/2014/main" id="{C42F139C-0A24-8700-5803-34750920C771}"/>
+                <a16:creationId xmlns:a16="http://schemas.microsoft.com/office/drawing/2014/main" id="{963022E1-05EE-C9F0-155E-FAA2DB14A935}"/>
               </a:ext>
             </a:extLst>
           </p:cNvPr>
@@ -5356,33 +5335,53 @@
         </p:nvSpPr>
         <p:spPr/>
         <p:txBody>
-          <a:bodyPr/>
-          <a:lstStyle/>
-          <a:p>
-            <a:r>
-              <a:rPr lang="en-US" dirty="0"/>
-              <a:t>git rm removes a file from the working directory and stages the removal for the next commit.</a:t>
-            </a:r>
-          </a:p>
-          <a:p>
-            <a:r>
-              <a:rPr lang="en-US" dirty="0"/>
+          <a:bodyPr>
+            <a:normAutofit/>
+          </a:bodyPr>
+          <a:lstStyle/>
+          <a:p>
+            <a:r>
+              <a:rPr lang="en-US" sz="2000" dirty="0"/>
+              <a:t>When you run git diff without any arguments, Git will show you the differences between the changes in your working directory and the staging area. This includes changes that have been made but not yet staged for commit.</a:t>
+            </a:r>
+          </a:p>
+          <a:p>
+            <a:r>
+              <a:rPr lang="en-US" sz="2000" dirty="0"/>
               <a:t>Example:</a:t>
             </a:r>
           </a:p>
           <a:p>
             <a:r>
-              <a:rPr lang="en-US" dirty="0"/>
-              <a:t>git rm filename.txt</a:t>
-            </a:r>
-            <a:endParaRPr lang="en-IN" dirty="0"/>
+              <a:rPr lang="en-US" sz="2000" dirty="0"/>
+              <a:t>git diff</a:t>
+            </a:r>
+            <a:endParaRPr lang="en-IN" sz="2000" dirty="0"/>
+          </a:p>
+          <a:p>
+            <a:r>
+              <a:rPr lang="en-US" sz="2000" dirty="0"/>
+              <a:t>You can also specify files or directories as arguments to git diff to compare changes between different commits, branches, or specific files. For example:</a:t>
+            </a:r>
+          </a:p>
+          <a:p>
+            <a:r>
+              <a:rPr lang="en-US" sz="2000" dirty="0"/>
+              <a:t>git diff &lt;commit&gt;: Shows the differences between the working directory and the specified commit.</a:t>
+            </a:r>
+          </a:p>
+          <a:p>
+            <a:r>
+              <a:rPr lang="en-US" sz="2000" dirty="0"/>
+              <a:t>git diff &lt;commit&gt; &lt;file&gt;: Shows the differences between the specified commit and the version of the file in the working directory. </a:t>
+            </a:r>
           </a:p>
         </p:txBody>
       </p:sp>
     </p:spTree>
     <p:extLst>
       <p:ext uri="{BB962C8B-B14F-4D97-AF65-F5344CB8AC3E}">
-        <p14:creationId xmlns:p14="http://schemas.microsoft.com/office/powerpoint/2010/main" val="1749239987"/>
+        <p14:creationId xmlns:p14="http://schemas.microsoft.com/office/powerpoint/2010/main" val="2249891999"/>
       </p:ext>
     </p:extLst>
   </p:cSld>
@@ -5734,7 +5733,7 @@
           <p:cNvPr id="2" name="Title 1">
             <a:extLst>
               <a:ext uri="{FF2B5EF4-FFF2-40B4-BE49-F238E27FC236}">
-                <a16:creationId xmlns:a16="http://schemas.microsoft.com/office/drawing/2014/main" id="{47865952-1339-53B7-CF42-42E9F4BA00E5}"/>
+                <a16:creationId xmlns:a16="http://schemas.microsoft.com/office/drawing/2014/main" id="{4E79C974-832D-8232-FE9D-AC30135CB2FD}"/>
               </a:ext>
             </a:extLst>
           </p:cNvPr>
@@ -5752,91 +5751,66 @@
           <a:p>
             <a:r>
               <a:rPr lang="en-US" dirty="0"/>
-              <a:t>.</a:t>
+              <a:t>Assignment - Git</a:t>
+            </a:r>
+            <a:endParaRPr lang="en-IN" dirty="0"/>
+          </a:p>
+        </p:txBody>
+      </p:sp>
+      <p:sp>
+        <p:nvSpPr>
+          <p:cNvPr id="3" name="Content Placeholder 2">
+            <a:extLst>
+              <a:ext uri="{FF2B5EF4-FFF2-40B4-BE49-F238E27FC236}">
+                <a16:creationId xmlns:a16="http://schemas.microsoft.com/office/drawing/2014/main" id="{0D1BC135-8AB7-C7E7-0C04-34E13AB71830}"/>
+              </a:ext>
+            </a:extLst>
+          </p:cNvPr>
+          <p:cNvSpPr>
+            <a:spLocks noGrp="1"/>
+          </p:cNvSpPr>
+          <p:nvPr>
+            <p:ph idx="1"/>
+          </p:nvPr>
+        </p:nvSpPr>
+        <p:spPr/>
+        <p:txBody>
+          <a:bodyPr/>
+          <a:lstStyle/>
+          <a:p>
+            <a:r>
+              <a:rPr lang="en-US" dirty="0"/>
+              <a:t>Explore following commands with </a:t>
             </a:r>
             <a:r>
               <a:rPr lang="en-US" dirty="0" err="1"/>
-              <a:t>gitignore</a:t>
-            </a:r>
-            <a:endParaRPr lang="en-IN" dirty="0"/>
-          </a:p>
-        </p:txBody>
-      </p:sp>
-      <p:sp>
-        <p:nvSpPr>
-          <p:cNvPr id="3" name="Content Placeholder 2">
-            <a:extLst>
-              <a:ext uri="{FF2B5EF4-FFF2-40B4-BE49-F238E27FC236}">
-                <a16:creationId xmlns:a16="http://schemas.microsoft.com/office/drawing/2014/main" id="{266E427F-94AF-2D7E-50A2-EB2B62083ACA}"/>
-              </a:ext>
-            </a:extLst>
-          </p:cNvPr>
-          <p:cNvSpPr>
-            <a:spLocks noGrp="1"/>
-          </p:cNvSpPr>
-          <p:nvPr>
-            <p:ph idx="1"/>
-          </p:nvPr>
-        </p:nvSpPr>
-        <p:spPr/>
-        <p:txBody>
-          <a:bodyPr>
-            <a:normAutofit/>
-          </a:bodyPr>
-          <a:lstStyle/>
-          <a:p>
-            <a:r>
-              <a:rPr lang="en-US" dirty="0"/>
-              <a:t>.</a:t>
-            </a:r>
-            <a:r>
-              <a:rPr lang="en-US" dirty="0" err="1"/>
-              <a:t>gitignore</a:t>
-            </a:r>
-            <a:r>
-              <a:rPr lang="en-US" dirty="0"/>
-              <a:t> is a file where you specify files or directories that should be ignored by Git (e.g., temporary files, logs).</a:t>
-            </a:r>
-          </a:p>
-          <a:p>
-            <a:r>
-              <a:rPr lang="en-US" dirty="0"/>
-              <a:t>Example: Create a .</a:t>
-            </a:r>
-            <a:r>
-              <a:rPr lang="en-US" dirty="0" err="1"/>
-              <a:t>gitignore</a:t>
-            </a:r>
-            <a:r>
-              <a:rPr lang="en-US" dirty="0"/>
-              <a:t> file with contents like:</a:t>
-            </a:r>
-          </a:p>
-          <a:p>
-            <a:r>
-              <a:rPr lang="en-US" dirty="0"/>
-              <a:t>bash</a:t>
-            </a:r>
-          </a:p>
-          <a:p>
-            <a:r>
-              <a:rPr lang="en-US" dirty="0"/>
-              <a:t>Copy code</a:t>
-            </a:r>
-          </a:p>
-          <a:p>
-            <a:r>
-              <a:rPr lang="en-US" dirty="0"/>
-              <a:t>*.log</a:t>
-            </a:r>
-          </a:p>
-          <a:p>
-            <a:r>
-              <a:rPr lang="en-US" dirty="0"/>
-              <a:t>temp/</a:t>
-            </a:r>
-          </a:p>
-          <a:p>
+              <a:t>atleast</a:t>
+            </a:r>
+            <a:r>
+              <a:rPr lang="en-US" dirty="0"/>
+              <a:t> 2 parameters</a:t>
+            </a:r>
+          </a:p>
+          <a:p>
+            <a:pPr lvl="1"/>
+            <a:r>
+              <a:rPr lang="en-US" dirty="0"/>
+              <a:t>log</a:t>
+            </a:r>
+          </a:p>
+          <a:p>
+            <a:pPr lvl="1"/>
+            <a:r>
+              <a:rPr lang="en-US" dirty="0"/>
+              <a:t>diff</a:t>
+            </a:r>
+          </a:p>
+          <a:p>
+            <a:pPr lvl="1"/>
+            <a:r>
+              <a:rPr lang="en-US" dirty="0"/>
+              <a:t>rm </a:t>
+            </a:r>
             <a:endParaRPr lang="en-IN" dirty="0"/>
           </a:p>
         </p:txBody>
@@ -5844,7 +5818,7 @@
     </p:spTree>
     <p:extLst>
       <p:ext uri="{BB962C8B-B14F-4D97-AF65-F5344CB8AC3E}">
-        <p14:creationId xmlns:p14="http://schemas.microsoft.com/office/powerpoint/2010/main" val="1591242046"/>
+        <p14:creationId xmlns:p14="http://schemas.microsoft.com/office/powerpoint/2010/main" val="3110916923"/>
       </p:ext>
     </p:extLst>
   </p:cSld>
@@ -5876,7 +5850,7 @@
           <p:cNvPr id="2" name="Title 1">
             <a:extLst>
               <a:ext uri="{FF2B5EF4-FFF2-40B4-BE49-F238E27FC236}">
-                <a16:creationId xmlns:a16="http://schemas.microsoft.com/office/drawing/2014/main" id="{19C3A7EE-DD20-DEC2-AFA9-C17E4777A75B}"/>
+                <a16:creationId xmlns:a16="http://schemas.microsoft.com/office/drawing/2014/main" id="{47865952-1339-53B7-CF42-42E9F4BA00E5}"/>
               </a:ext>
             </a:extLst>
           </p:cNvPr>
@@ -5894,7 +5868,11 @@
           <a:p>
             <a:r>
               <a:rPr lang="en-US" dirty="0"/>
-              <a:t>branch</a:t>
+              <a:t>.</a:t>
+            </a:r>
+            <a:r>
+              <a:rPr lang="en-US" dirty="0" err="1"/>
+              <a:t>gitignore</a:t>
             </a:r>
             <a:endParaRPr lang="en-IN" dirty="0"/>
           </a:p>
@@ -5905,7 +5883,7 @@
           <p:cNvPr id="3" name="Content Placeholder 2">
             <a:extLst>
               <a:ext uri="{FF2B5EF4-FFF2-40B4-BE49-F238E27FC236}">
-                <a16:creationId xmlns:a16="http://schemas.microsoft.com/office/drawing/2014/main" id="{3D93E579-C0E3-CCAA-342C-8BDDD6A3BA3E}"/>
+                <a16:creationId xmlns:a16="http://schemas.microsoft.com/office/drawing/2014/main" id="{266E427F-94AF-2D7E-50A2-EB2B62083ACA}"/>
               </a:ext>
             </a:extLst>
           </p:cNvPr>
@@ -5918,24 +5896,64 @@
         </p:nvSpPr>
         <p:spPr/>
         <p:txBody>
-          <a:bodyPr/>
-          <a:lstStyle/>
-          <a:p>
-            <a:r>
-              <a:rPr lang="en-US" dirty="0"/>
-              <a:t>git branch lists all branches in the repository, showing the current branch with an asterisk.</a:t>
-            </a:r>
-          </a:p>
-          <a:p>
-            <a:r>
-              <a:rPr lang="en-US" dirty="0"/>
-              <a:t>Example:</a:t>
-            </a:r>
-          </a:p>
-          <a:p>
-            <a:r>
-              <a:rPr lang="en-US" dirty="0"/>
-              <a:t>git branch</a:t>
+          <a:bodyPr>
+            <a:normAutofit/>
+          </a:bodyPr>
+          <a:lstStyle/>
+          <a:p>
+            <a:r>
+              <a:rPr lang="en-US" dirty="0"/>
+              <a:t>.</a:t>
+            </a:r>
+            <a:r>
+              <a:rPr lang="en-US" dirty="0" err="1"/>
+              <a:t>gitignore</a:t>
+            </a:r>
+            <a:r>
+              <a:rPr lang="en-US" dirty="0"/>
+              <a:t> is a file where you specify files or directories that should be ignored by Git (e.g., temporary files, logs).</a:t>
+            </a:r>
+          </a:p>
+          <a:p>
+            <a:r>
+              <a:rPr lang="en-US" dirty="0"/>
+              <a:t>Example: Create a .</a:t>
+            </a:r>
+            <a:r>
+              <a:rPr lang="en-US" dirty="0" err="1"/>
+              <a:t>gitignore</a:t>
+            </a:r>
+            <a:r>
+              <a:rPr lang="en-US" dirty="0"/>
+              <a:t> file with contents like:</a:t>
+            </a:r>
+          </a:p>
+          <a:p>
+            <a:r>
+              <a:rPr lang="en-US" dirty="0"/>
+              <a:t>data.csv</a:t>
+            </a:r>
+          </a:p>
+          <a:p>
+            <a:r>
+              <a:rPr lang="en-US" dirty="0"/>
+              <a:t>Copy code</a:t>
+            </a:r>
+          </a:p>
+          <a:p>
+            <a:r>
+              <a:rPr lang="en-US" dirty="0"/>
+              <a:t>*.txt</a:t>
+            </a:r>
+          </a:p>
+          <a:p>
+            <a:r>
+              <a:rPr lang="en-US" dirty="0" err="1"/>
+              <a:t>Json_data</a:t>
+            </a:r>
+            <a:r>
+              <a:rPr lang="en-US" dirty="0"/>
+              <a:t>/</a:t>
             </a:r>
           </a:p>
           <a:p>
@@ -5946,7 +5964,7 @@
     </p:spTree>
     <p:extLst>
       <p:ext uri="{BB962C8B-B14F-4D97-AF65-F5344CB8AC3E}">
-        <p14:creationId xmlns:p14="http://schemas.microsoft.com/office/powerpoint/2010/main" val="3004047204"/>
+        <p14:creationId xmlns:p14="http://schemas.microsoft.com/office/powerpoint/2010/main" val="1591242046"/>
       </p:ext>
     </p:extLst>
   </p:cSld>
@@ -5978,7 +5996,7 @@
           <p:cNvPr id="2" name="Title 1">
             <a:extLst>
               <a:ext uri="{FF2B5EF4-FFF2-40B4-BE49-F238E27FC236}">
-                <a16:creationId xmlns:a16="http://schemas.microsoft.com/office/drawing/2014/main" id="{DC5EEF7C-71C1-FEE5-2A50-A91E582CAE15}"/>
+                <a16:creationId xmlns:a16="http://schemas.microsoft.com/office/drawing/2014/main" id="{19C3A7EE-DD20-DEC2-AFA9-C17E4777A75B}"/>
               </a:ext>
             </a:extLst>
           </p:cNvPr>
@@ -5996,7 +6014,7 @@
           <a:p>
             <a:r>
               <a:rPr lang="en-US" dirty="0"/>
-              <a:t>checkout</a:t>
+              <a:t>branch</a:t>
             </a:r>
             <a:endParaRPr lang="en-IN" dirty="0"/>
           </a:p>
@@ -6007,7 +6025,7 @@
           <p:cNvPr id="3" name="Content Placeholder 2">
             <a:extLst>
               <a:ext uri="{FF2B5EF4-FFF2-40B4-BE49-F238E27FC236}">
-                <a16:creationId xmlns:a16="http://schemas.microsoft.com/office/drawing/2014/main" id="{4AEE5B6A-BBE8-983C-54E4-496017E96319}"/>
+                <a16:creationId xmlns:a16="http://schemas.microsoft.com/office/drawing/2014/main" id="{3D93E579-C0E3-CCAA-342C-8BDDD6A3BA3E}"/>
               </a:ext>
             </a:extLst>
           </p:cNvPr>
@@ -6025,7 +6043,7 @@
           <a:p>
             <a:r>
               <a:rPr lang="en-US" dirty="0"/>
-              <a:t>git checkout switches to a different branch or commit. It's used for branch management and code navigation.</a:t>
+              <a:t>git branch lists all branches in the repository, showing the current branch with an asterisk.</a:t>
             </a:r>
           </a:p>
           <a:p>
@@ -6037,7 +6055,7 @@
           <a:p>
             <a:r>
               <a:rPr lang="en-US" dirty="0"/>
-              <a:t>git checkout new-feature-branch</a:t>
+              <a:t>git branch</a:t>
             </a:r>
           </a:p>
           <a:p>
@@ -6048,7 +6066,7 @@
     </p:spTree>
     <p:extLst>
       <p:ext uri="{BB962C8B-B14F-4D97-AF65-F5344CB8AC3E}">
-        <p14:creationId xmlns:p14="http://schemas.microsoft.com/office/powerpoint/2010/main" val="135773680"/>
+        <p14:creationId xmlns:p14="http://schemas.microsoft.com/office/powerpoint/2010/main" val="3004047204"/>
       </p:ext>
     </p:extLst>
   </p:cSld>
@@ -6080,7 +6098,7 @@
           <p:cNvPr id="2" name="Title 1">
             <a:extLst>
               <a:ext uri="{FF2B5EF4-FFF2-40B4-BE49-F238E27FC236}">
-                <a16:creationId xmlns:a16="http://schemas.microsoft.com/office/drawing/2014/main" id="{D528C6A7-F667-B62D-CB46-A62C4F3A79F8}"/>
+                <a16:creationId xmlns:a16="http://schemas.microsoft.com/office/drawing/2014/main" id="{DC5EEF7C-71C1-FEE5-2A50-A91E582CAE15}"/>
               </a:ext>
             </a:extLst>
           </p:cNvPr>
@@ -6098,7 +6116,7 @@
           <a:p>
             <a:r>
               <a:rPr lang="en-US" dirty="0"/>
-              <a:t>merge</a:t>
+              <a:t>checkout</a:t>
             </a:r>
             <a:endParaRPr lang="en-IN" dirty="0"/>
           </a:p>
@@ -6109,7 +6127,7 @@
           <p:cNvPr id="3" name="Content Placeholder 2">
             <a:extLst>
               <a:ext uri="{FF2B5EF4-FFF2-40B4-BE49-F238E27FC236}">
-                <a16:creationId xmlns:a16="http://schemas.microsoft.com/office/drawing/2014/main" id="{99D01784-7D8A-F65E-1CA6-9B52A28E91E3}"/>
+                <a16:creationId xmlns:a16="http://schemas.microsoft.com/office/drawing/2014/main" id="{4AEE5B6A-BBE8-983C-54E4-496017E96319}"/>
               </a:ext>
             </a:extLst>
           </p:cNvPr>
@@ -6127,7 +6145,7 @@
           <a:p>
             <a:r>
               <a:rPr lang="en-US" dirty="0"/>
-              <a:t>git merge combines changes from one branch into another. It's used to integrate feature branches into the main branch.</a:t>
+              <a:t>git checkout switches to a different branch or commit. It's used for branch management and code navigation.</a:t>
             </a:r>
           </a:p>
           <a:p>
@@ -6139,7 +6157,7 @@
           <a:p>
             <a:r>
               <a:rPr lang="en-US" dirty="0"/>
-              <a:t>git merge feature-branch</a:t>
+              <a:t>git checkout new-feature-branch</a:t>
             </a:r>
           </a:p>
           <a:p>
@@ -6150,7 +6168,7 @@
     </p:spTree>
     <p:extLst>
       <p:ext uri="{BB962C8B-B14F-4D97-AF65-F5344CB8AC3E}">
-        <p14:creationId xmlns:p14="http://schemas.microsoft.com/office/powerpoint/2010/main" val="2393124715"/>
+        <p14:creationId xmlns:p14="http://schemas.microsoft.com/office/powerpoint/2010/main" val="135773680"/>
       </p:ext>
     </p:extLst>
   </p:cSld>
@@ -6182,7 +6200,7 @@
           <p:cNvPr id="2" name="Title 1">
             <a:extLst>
               <a:ext uri="{FF2B5EF4-FFF2-40B4-BE49-F238E27FC236}">
-                <a16:creationId xmlns:a16="http://schemas.microsoft.com/office/drawing/2014/main" id="{F22E99C9-35B7-9DE5-815F-6A00F0AF9536}"/>
+                <a16:creationId xmlns:a16="http://schemas.microsoft.com/office/drawing/2014/main" id="{F1463274-41BF-2679-2494-835D122CFEAF}"/>
               </a:ext>
             </a:extLst>
           </p:cNvPr>
@@ -6200,7 +6218,7 @@
           <a:p>
             <a:r>
               <a:rPr lang="en-US" dirty="0"/>
-              <a:t>remote</a:t>
+              <a:t>checkout</a:t>
             </a:r>
             <a:endParaRPr lang="en-IN" dirty="0"/>
           </a:p>
@@ -6211,7 +6229,7 @@
           <p:cNvPr id="3" name="Content Placeholder 2">
             <a:extLst>
               <a:ext uri="{FF2B5EF4-FFF2-40B4-BE49-F238E27FC236}">
-                <a16:creationId xmlns:a16="http://schemas.microsoft.com/office/drawing/2014/main" id="{3BF8204C-DCAF-83E4-3EA9-62BB0F7DA906}"/>
+                <a16:creationId xmlns:a16="http://schemas.microsoft.com/office/drawing/2014/main" id="{B919BA29-DE6B-D69C-6A01-2EB341E3771E}"/>
               </a:ext>
             </a:extLst>
           </p:cNvPr>
@@ -6222,38 +6240,77 @@
             <p:ph idx="1"/>
           </p:nvPr>
         </p:nvSpPr>
-        <p:spPr/>
-        <p:txBody>
-          <a:bodyPr/>
-          <a:lstStyle/>
-          <a:p>
-            <a:r>
-              <a:rPr lang="en-US" dirty="0"/>
-              <a:t>git remote shows a list of remote repositories connected to your local repository.</a:t>
-            </a:r>
-          </a:p>
-          <a:p>
-            <a:r>
-              <a:rPr lang="en-US" dirty="0"/>
-              <a:t>Example:</a:t>
-            </a:r>
-          </a:p>
-          <a:p>
-            <a:r>
-              <a:rPr lang="en-US" dirty="0"/>
-              <a:t>git remote add origin https://github.com/nilaykarade/test2.git</a:t>
-            </a:r>
-            <a:endParaRPr lang="en-IN" dirty="0"/>
-          </a:p>
-          <a:p>
-            <a:endParaRPr lang="en-IN" dirty="0"/>
+        <p:spPr>
+          <a:xfrm>
+            <a:off x="838200" y="1376303"/>
+            <a:ext cx="10515600" cy="4351338"/>
+          </a:xfrm>
+        </p:spPr>
+        <p:txBody>
+          <a:bodyPr>
+            <a:noAutofit/>
+          </a:bodyPr>
+          <a:lstStyle/>
+          <a:p>
+            <a:r>
+              <a:rPr lang="en-US" sz="2400" dirty="0"/>
+              <a:t>The git checkout command in Git is a versatile command used for various purposes, depending on the arguments provided. Here are some common use cases:</a:t>
+            </a:r>
+          </a:p>
+          <a:p>
+            <a:r>
+              <a:rPr lang="en-US" sz="2400" dirty="0"/>
+              <a:t>Switch Branches: If you want to switch to a different branch, you use git checkout followed by the name of the branch you want to switch to. For example:</a:t>
+            </a:r>
+          </a:p>
+          <a:p>
+            <a:pPr lvl="1"/>
+            <a:r>
+              <a:rPr lang="en-US" dirty="0"/>
+              <a:t>git checkout &lt;</a:t>
+            </a:r>
+            <a:r>
+              <a:rPr lang="en-US" dirty="0" err="1"/>
+              <a:t>branch_name</a:t>
+            </a:r>
+            <a:r>
+              <a:rPr lang="en-US" dirty="0"/>
+              <a:t>&gt;</a:t>
+            </a:r>
+          </a:p>
+          <a:p>
+            <a:r>
+              <a:rPr lang="en-US" sz="2400" dirty="0"/>
+              <a:t>Create a New Branch: You can also use git checkout to create and switch to a new branch in one step. For example:</a:t>
+            </a:r>
+          </a:p>
+          <a:p>
+            <a:pPr lvl="1"/>
+            <a:r>
+              <a:rPr lang="en-US" dirty="0"/>
+              <a:t>git checkout -b &lt;</a:t>
+            </a:r>
+            <a:r>
+              <a:rPr lang="en-US" dirty="0" err="1"/>
+              <a:t>new_branch_name</a:t>
+            </a:r>
+            <a:r>
+              <a:rPr lang="en-US" dirty="0"/>
+              <a:t>&gt;</a:t>
+            </a:r>
+          </a:p>
+          <a:p>
+            <a:r>
+              <a:rPr lang="en-US" sz="2400" dirty="0"/>
+              <a:t>This creates a new branch with the specified name and switches to it.</a:t>
+            </a:r>
           </a:p>
         </p:txBody>
       </p:sp>
     </p:spTree>
     <p:extLst>
       <p:ext uri="{BB962C8B-B14F-4D97-AF65-F5344CB8AC3E}">
-        <p14:creationId xmlns:p14="http://schemas.microsoft.com/office/powerpoint/2010/main" val="636906824"/>
+        <p14:creationId xmlns:p14="http://schemas.microsoft.com/office/powerpoint/2010/main" val="1298770173"/>
       </p:ext>
     </p:extLst>
   </p:cSld>
@@ -6285,7 +6342,7 @@
           <p:cNvPr id="2" name="Title 1">
             <a:extLst>
               <a:ext uri="{FF2B5EF4-FFF2-40B4-BE49-F238E27FC236}">
-                <a16:creationId xmlns:a16="http://schemas.microsoft.com/office/drawing/2014/main" id="{E3C4222E-1A11-14E4-EEB6-E9961BE99690}"/>
+                <a16:creationId xmlns:a16="http://schemas.microsoft.com/office/drawing/2014/main" id="{D528C6A7-F667-B62D-CB46-A62C4F3A79F8}"/>
               </a:ext>
             </a:extLst>
           </p:cNvPr>
@@ -6303,7 +6360,7 @@
           <a:p>
             <a:r>
               <a:rPr lang="en-US" dirty="0"/>
-              <a:t>push</a:t>
+              <a:t>merge</a:t>
             </a:r>
             <a:endParaRPr lang="en-IN" dirty="0"/>
           </a:p>
@@ -6314,7 +6371,7 @@
           <p:cNvPr id="3" name="Content Placeholder 2">
             <a:extLst>
               <a:ext uri="{FF2B5EF4-FFF2-40B4-BE49-F238E27FC236}">
-                <a16:creationId xmlns:a16="http://schemas.microsoft.com/office/drawing/2014/main" id="{156E226B-2793-2288-9912-2C70AB75E0B3}"/>
+                <a16:creationId xmlns:a16="http://schemas.microsoft.com/office/drawing/2014/main" id="{99D01784-7D8A-F65E-1CA6-9B52A28E91E3}"/>
               </a:ext>
             </a:extLst>
           </p:cNvPr>
@@ -6332,7 +6389,7 @@
           <a:p>
             <a:r>
               <a:rPr lang="en-US" dirty="0"/>
-              <a:t>git push sends your local commits to a remote repository, typically on a service like GitHub or GitLab.</a:t>
+              <a:t>git merge combines changes from one branch into another. It's used to integrate feature branches into the main branch.</a:t>
             </a:r>
           </a:p>
           <a:p>
@@ -6344,7 +6401,7 @@
           <a:p>
             <a:r>
               <a:rPr lang="en-US" dirty="0"/>
-              <a:t>git push origin main</a:t>
+              <a:t>git merge feature-branch</a:t>
             </a:r>
           </a:p>
           <a:p>
@@ -6355,7 +6412,7 @@
     </p:spTree>
     <p:extLst>
       <p:ext uri="{BB962C8B-B14F-4D97-AF65-F5344CB8AC3E}">
-        <p14:creationId xmlns:p14="http://schemas.microsoft.com/office/powerpoint/2010/main" val="3783041827"/>
+        <p14:creationId xmlns:p14="http://schemas.microsoft.com/office/powerpoint/2010/main" val="2393124715"/>
       </p:ext>
     </p:extLst>
   </p:cSld>
@@ -6387,7 +6444,7 @@
           <p:cNvPr id="2" name="Title 1">
             <a:extLst>
               <a:ext uri="{FF2B5EF4-FFF2-40B4-BE49-F238E27FC236}">
-                <a16:creationId xmlns:a16="http://schemas.microsoft.com/office/drawing/2014/main" id="{B0D04745-B95E-F740-AF02-443A55C81C34}"/>
+                <a16:creationId xmlns:a16="http://schemas.microsoft.com/office/drawing/2014/main" id="{F1463274-41BF-2679-2494-835D122CFEAF}"/>
               </a:ext>
             </a:extLst>
           </p:cNvPr>
@@ -6404,47 +6461,93 @@
           <a:lstStyle/>
           <a:p>
             <a:r>
+              <a:rPr lang="en-US" dirty="0"/>
+              <a:t>checkout</a:t>
+            </a:r>
+            <a:endParaRPr lang="en-IN" dirty="0"/>
+          </a:p>
+        </p:txBody>
+      </p:sp>
+      <p:sp>
+        <p:nvSpPr>
+          <p:cNvPr id="3" name="Content Placeholder 2">
+            <a:extLst>
+              <a:ext uri="{FF2B5EF4-FFF2-40B4-BE49-F238E27FC236}">
+                <a16:creationId xmlns:a16="http://schemas.microsoft.com/office/drawing/2014/main" id="{B919BA29-DE6B-D69C-6A01-2EB341E3771E}"/>
+              </a:ext>
+            </a:extLst>
+          </p:cNvPr>
+          <p:cNvSpPr>
+            <a:spLocks noGrp="1"/>
+          </p:cNvSpPr>
+          <p:nvPr>
+            <p:ph idx="1"/>
+          </p:nvPr>
+        </p:nvSpPr>
+        <p:spPr>
+          <a:xfrm>
+            <a:off x="838200" y="1376303"/>
+            <a:ext cx="10515600" cy="4351338"/>
+          </a:xfrm>
+        </p:spPr>
+        <p:txBody>
+          <a:bodyPr>
+            <a:noAutofit/>
+          </a:bodyPr>
+          <a:lstStyle/>
+          <a:p>
+            <a:r>
+              <a:rPr lang="en-US" sz="2400" dirty="0"/>
+              <a:t>Discard Changes in a File: If you've made changes to a file in your working directory and want to discard those changes and revert the file to its state in the last commit, you can use git checkout followed by the file name. For example:</a:t>
+            </a:r>
+          </a:p>
+          <a:p>
+            <a:pPr lvl="1"/>
+            <a:r>
+              <a:rPr lang="en-US" dirty="0"/>
+              <a:t>git checkout &lt;</a:t>
+            </a:r>
+            <a:r>
               <a:rPr lang="en-US" dirty="0" err="1"/>
-              <a:t>Jamboard</a:t>
-            </a:r>
-            <a:r>
-              <a:rPr lang="en-US" dirty="0"/>
-              <a:t> activity</a:t>
-            </a:r>
-            <a:endParaRPr lang="en-IN" dirty="0"/>
-          </a:p>
-        </p:txBody>
-      </p:sp>
-      <p:sp>
-        <p:nvSpPr>
-          <p:cNvPr id="3" name="Content Placeholder 2">
-            <a:extLst>
-              <a:ext uri="{FF2B5EF4-FFF2-40B4-BE49-F238E27FC236}">
-                <a16:creationId xmlns:a16="http://schemas.microsoft.com/office/drawing/2014/main" id="{7E56D849-C3BE-051F-5204-6DADB51554BF}"/>
-              </a:ext>
-            </a:extLst>
-          </p:cNvPr>
-          <p:cNvSpPr>
-            <a:spLocks noGrp="1"/>
-          </p:cNvSpPr>
-          <p:nvPr>
-            <p:ph idx="1"/>
-          </p:nvPr>
-        </p:nvSpPr>
-        <p:spPr/>
-        <p:txBody>
-          <a:bodyPr/>
-          <a:lstStyle/>
-          <a:p>
-            <a:r>
-              <a:rPr lang="en-IN" dirty="0">
-                <a:hlinkClick r:id="rId2"/>
-              </a:rPr>
-              <a:t>https://jamboard.google.com/d/1HBB5NYy8-sbC8NAtdmd8d3OLo1fMkE1K1HfpUSiuL58/edit?usp=sharing</a:t>
-            </a:r>
-            <a:endParaRPr lang="en-IN" dirty="0"/>
-          </a:p>
-          <a:p>
+              <a:t>file_name</a:t>
+            </a:r>
+            <a:r>
+              <a:rPr lang="en-US" dirty="0"/>
+              <a:t>&gt;</a:t>
+            </a:r>
+          </a:p>
+          <a:p>
+            <a:r>
+              <a:rPr lang="en-US" sz="2400" dirty="0"/>
+              <a:t>Discard All Changes: To discard all changes in your working directory and revert it to the state of the last commit, you can use git checkout with a dot (.) as the argument. For example:</a:t>
+            </a:r>
+          </a:p>
+          <a:p>
+            <a:r>
+              <a:rPr lang="en-US" sz="2400" dirty="0"/>
+              <a:t>git checkout .</a:t>
+            </a:r>
+          </a:p>
+          <a:p>
+            <a:r>
+              <a:rPr lang="en-US" sz="2400" dirty="0"/>
+              <a:t>Checkout Specific Commit: You can also checkout a specific commit by providing its hash or identifier. For example:</a:t>
+            </a:r>
+          </a:p>
+          <a:p>
+            <a:pPr lvl="1"/>
+            <a:r>
+              <a:rPr lang="en-US" dirty="0"/>
+              <a:t>git checkout &lt;</a:t>
+            </a:r>
+            <a:r>
+              <a:rPr lang="en-US" dirty="0" err="1"/>
+              <a:t>commit_hash</a:t>
+            </a:r>
+            <a:r>
+              <a:rPr lang="en-US" dirty="0"/>
+              <a:t>&gt;</a:t>
+            </a:r>
             <a:endParaRPr lang="en-IN" dirty="0"/>
           </a:p>
         </p:txBody>
@@ -6452,7 +6555,7 @@
     </p:spTree>
     <p:extLst>
       <p:ext uri="{BB962C8B-B14F-4D97-AF65-F5344CB8AC3E}">
-        <p14:creationId xmlns:p14="http://schemas.microsoft.com/office/powerpoint/2010/main" val="3957747788"/>
+        <p14:creationId xmlns:p14="http://schemas.microsoft.com/office/powerpoint/2010/main" val="3215017290"/>
       </p:ext>
     </p:extLst>
   </p:cSld>
@@ -6484,7 +6587,7 @@
           <p:cNvPr id="2" name="Title 1">
             <a:extLst>
               <a:ext uri="{FF2B5EF4-FFF2-40B4-BE49-F238E27FC236}">
-                <a16:creationId xmlns:a16="http://schemas.microsoft.com/office/drawing/2014/main" id="{9902660D-4106-ACC4-5068-C01C0335DFFA}"/>
+                <a16:creationId xmlns:a16="http://schemas.microsoft.com/office/drawing/2014/main" id="{F22E99C9-35B7-9DE5-815F-6A00F0AF9536}"/>
               </a:ext>
             </a:extLst>
           </p:cNvPr>
@@ -6502,7 +6605,7 @@
           <a:p>
             <a:r>
               <a:rPr lang="en-US" dirty="0"/>
-              <a:t>Summary</a:t>
+              <a:t>remote</a:t>
             </a:r>
             <a:endParaRPr lang="en-IN" dirty="0"/>
           </a:p>
@@ -6513,7 +6616,7 @@
           <p:cNvPr id="3" name="Content Placeholder 2">
             <a:extLst>
               <a:ext uri="{FF2B5EF4-FFF2-40B4-BE49-F238E27FC236}">
-                <a16:creationId xmlns:a16="http://schemas.microsoft.com/office/drawing/2014/main" id="{414E5FFE-9D5F-0A08-344D-1D54E5B811D3}"/>
+                <a16:creationId xmlns:a16="http://schemas.microsoft.com/office/drawing/2014/main" id="{3BF8204C-DCAF-83E4-3EA9-62BB0F7DA906}"/>
               </a:ext>
             </a:extLst>
           </p:cNvPr>
@@ -6526,140 +6629,138 @@
         </p:nvSpPr>
         <p:spPr/>
         <p:txBody>
-          <a:bodyPr>
-            <a:normAutofit fontScale="70000" lnSpcReduction="20000"/>
-          </a:bodyPr>
-          <a:lstStyle/>
-          <a:p>
-            <a:r>
-              <a:rPr lang="en-US" dirty="0"/>
-              <a:t>Git &amp; </a:t>
-            </a:r>
-            <a:r>
-              <a:rPr lang="en-US" dirty="0" err="1"/>
-              <a:t>Github</a:t>
-            </a:r>
-            <a:r>
-              <a:rPr lang="en-US" dirty="0"/>
-              <a:t> setup</a:t>
-            </a:r>
-          </a:p>
-          <a:p>
-            <a:r>
-              <a:rPr lang="en-US" dirty="0"/>
-              <a:t>Git commands</a:t>
-            </a:r>
-          </a:p>
-          <a:p>
-            <a:pPr lvl="1"/>
-            <a:r>
-              <a:rPr lang="en-US" dirty="0"/>
-              <a:t>config</a:t>
-            </a:r>
-          </a:p>
-          <a:p>
-            <a:pPr lvl="1"/>
-            <a:r>
-              <a:rPr lang="en-US" dirty="0" err="1"/>
-              <a:t>init</a:t>
-            </a:r>
-            <a:endParaRPr lang="en-US" dirty="0"/>
-          </a:p>
-          <a:p>
-            <a:pPr lvl="1"/>
-            <a:r>
-              <a:rPr lang="en-US" dirty="0"/>
-              <a:t>status</a:t>
-            </a:r>
-          </a:p>
-          <a:p>
-            <a:pPr lvl="1"/>
-            <a:r>
-              <a:rPr lang="en-US" dirty="0"/>
-              <a:t>add </a:t>
-            </a:r>
-          </a:p>
-          <a:p>
-            <a:pPr lvl="1"/>
-            <a:r>
-              <a:rPr lang="en-US" dirty="0"/>
-              <a:t>commit</a:t>
-            </a:r>
-          </a:p>
-          <a:p>
-            <a:pPr lvl="1"/>
-            <a:r>
-              <a:rPr lang="en-US" dirty="0"/>
-              <a:t>log</a:t>
-            </a:r>
-          </a:p>
-          <a:p>
-            <a:pPr lvl="1"/>
-            <a:r>
-              <a:rPr lang="en-US" dirty="0"/>
-              <a:t>diff</a:t>
-            </a:r>
-          </a:p>
-          <a:p>
-            <a:pPr lvl="1"/>
-            <a:r>
-              <a:rPr lang="en-US" dirty="0"/>
-              <a:t>rm</a:t>
-            </a:r>
-          </a:p>
-          <a:p>
-            <a:pPr lvl="1"/>
-            <a:r>
-              <a:rPr lang="en-US" dirty="0" err="1"/>
-              <a:t>gitignore</a:t>
-            </a:r>
-            <a:endParaRPr lang="en-US" dirty="0"/>
-          </a:p>
-          <a:p>
-            <a:pPr lvl="1"/>
-            <a:r>
-              <a:rPr lang="en-US" dirty="0"/>
-              <a:t>branch</a:t>
-            </a:r>
-          </a:p>
-          <a:p>
-            <a:pPr lvl="1"/>
-            <a:r>
-              <a:rPr lang="en-US" dirty="0"/>
-              <a:t>checkout</a:t>
-            </a:r>
-          </a:p>
-          <a:p>
-            <a:pPr lvl="1"/>
-            <a:r>
-              <a:rPr lang="en-US" dirty="0"/>
-              <a:t>merge</a:t>
-            </a:r>
-          </a:p>
-          <a:p>
-            <a:pPr lvl="1"/>
-            <a:r>
-              <a:rPr lang="en-US" dirty="0"/>
-              <a:t>remote</a:t>
-            </a:r>
-          </a:p>
-          <a:p>
-            <a:pPr lvl="1"/>
-            <a:r>
-              <a:rPr lang="en-US" dirty="0"/>
-              <a:t>push</a:t>
-            </a:r>
-          </a:p>
-          <a:p>
-            <a:pPr lvl="1"/>
-            <a:endParaRPr lang="en-US" dirty="0"/>
+          <a:bodyPr/>
+          <a:lstStyle/>
+          <a:p>
+            <a:r>
+              <a:rPr lang="en-US" dirty="0"/>
+              <a:t>git remote shows a list of remote repositories connected to your local repository.</a:t>
+            </a:r>
+          </a:p>
+          <a:p>
+            <a:r>
+              <a:rPr lang="en-US" dirty="0"/>
+              <a:t>Example:</a:t>
+            </a:r>
+          </a:p>
+          <a:p>
+            <a:r>
+              <a:rPr lang="en-US" dirty="0"/>
+              <a:t>git remote add origin https://github.com/nilaykarade/test2.git</a:t>
+            </a:r>
+            <a:endParaRPr lang="en-IN" dirty="0"/>
+          </a:p>
+          <a:p>
+            <a:endParaRPr lang="en-IN" dirty="0"/>
           </a:p>
         </p:txBody>
       </p:sp>
     </p:spTree>
     <p:extLst>
       <p:ext uri="{BB962C8B-B14F-4D97-AF65-F5344CB8AC3E}">
-        <p14:creationId xmlns:p14="http://schemas.microsoft.com/office/powerpoint/2010/main" val="2819887320"/>
+        <p14:creationId xmlns:p14="http://schemas.microsoft.com/office/powerpoint/2010/main" val="636906824"/>
+      </p:ext>
+    </p:extLst>
+  </p:cSld>
+  <p:clrMapOvr>
+    <a:masterClrMapping/>
+  </p:clrMapOvr>
+</p:sld>
+</file>
+
+<file path=ppt/slides/slide29.xml><?xml version="1.0" encoding="utf-8"?>
+<p:sld xmlns:a="http://schemas.openxmlformats.org/drawingml/2006/main" xmlns:r="http://schemas.openxmlformats.org/officeDocument/2006/relationships" xmlns:p="http://schemas.openxmlformats.org/presentationml/2006/main">
+  <p:cSld>
+    <p:spTree>
+      <p:nvGrpSpPr>
+        <p:cNvPr id="1" name=""/>
+        <p:cNvGrpSpPr/>
+        <p:nvPr/>
+      </p:nvGrpSpPr>
+      <p:grpSpPr>
+        <a:xfrm>
+          <a:off x="0" y="0"/>
+          <a:ext cx="0" cy="0"/>
+          <a:chOff x="0" y="0"/>
+          <a:chExt cx="0" cy="0"/>
+        </a:xfrm>
+      </p:grpSpPr>
+      <p:sp>
+        <p:nvSpPr>
+          <p:cNvPr id="2" name="Title 1">
+            <a:extLst>
+              <a:ext uri="{FF2B5EF4-FFF2-40B4-BE49-F238E27FC236}">
+                <a16:creationId xmlns:a16="http://schemas.microsoft.com/office/drawing/2014/main" id="{E3C4222E-1A11-14E4-EEB6-E9961BE99690}"/>
+              </a:ext>
+            </a:extLst>
+          </p:cNvPr>
+          <p:cNvSpPr>
+            <a:spLocks noGrp="1"/>
+          </p:cNvSpPr>
+          <p:nvPr>
+            <p:ph type="title"/>
+          </p:nvPr>
+        </p:nvSpPr>
+        <p:spPr/>
+        <p:txBody>
+          <a:bodyPr/>
+          <a:lstStyle/>
+          <a:p>
+            <a:r>
+              <a:rPr lang="en-US" dirty="0"/>
+              <a:t>push</a:t>
+            </a:r>
+            <a:endParaRPr lang="en-IN" dirty="0"/>
+          </a:p>
+        </p:txBody>
+      </p:sp>
+      <p:sp>
+        <p:nvSpPr>
+          <p:cNvPr id="3" name="Content Placeholder 2">
+            <a:extLst>
+              <a:ext uri="{FF2B5EF4-FFF2-40B4-BE49-F238E27FC236}">
+                <a16:creationId xmlns:a16="http://schemas.microsoft.com/office/drawing/2014/main" id="{156E226B-2793-2288-9912-2C70AB75E0B3}"/>
+              </a:ext>
+            </a:extLst>
+          </p:cNvPr>
+          <p:cNvSpPr>
+            <a:spLocks noGrp="1"/>
+          </p:cNvSpPr>
+          <p:nvPr>
+            <p:ph idx="1"/>
+          </p:nvPr>
+        </p:nvSpPr>
+        <p:spPr/>
+        <p:txBody>
+          <a:bodyPr/>
+          <a:lstStyle/>
+          <a:p>
+            <a:r>
+              <a:rPr lang="en-US" dirty="0"/>
+              <a:t>git push sends your local commits to a remote repository, typically on a service like GitHub or GitLab.</a:t>
+            </a:r>
+          </a:p>
+          <a:p>
+            <a:r>
+              <a:rPr lang="en-US" dirty="0"/>
+              <a:t>Example:</a:t>
+            </a:r>
+          </a:p>
+          <a:p>
+            <a:r>
+              <a:rPr lang="en-US" dirty="0"/>
+              <a:t>git push origin main</a:t>
+            </a:r>
+          </a:p>
+          <a:p>
+            <a:endParaRPr lang="en-IN" dirty="0"/>
+          </a:p>
+        </p:txBody>
+      </p:sp>
+    </p:spTree>
+    <p:extLst>
+      <p:ext uri="{BB962C8B-B14F-4D97-AF65-F5344CB8AC3E}">
+        <p14:creationId xmlns:p14="http://schemas.microsoft.com/office/powerpoint/2010/main" val="3783041827"/>
       </p:ext>
     </p:extLst>
   </p:cSld>
@@ -6856,6 +6957,213 @@
     <p:extLst>
       <p:ext uri="{BB962C8B-B14F-4D97-AF65-F5344CB8AC3E}">
         <p14:creationId xmlns:p14="http://schemas.microsoft.com/office/powerpoint/2010/main" val="922352576"/>
+      </p:ext>
+    </p:extLst>
+  </p:cSld>
+  <p:clrMapOvr>
+    <a:masterClrMapping/>
+  </p:clrMapOvr>
+</p:sld>
+</file>
+
+<file path=ppt/slides/slide30.xml><?xml version="1.0" encoding="utf-8"?>
+<p:sld xmlns:a="http://schemas.openxmlformats.org/drawingml/2006/main" xmlns:r="http://schemas.openxmlformats.org/officeDocument/2006/relationships" xmlns:p="http://schemas.openxmlformats.org/presentationml/2006/main">
+  <p:cSld>
+    <p:spTree>
+      <p:nvGrpSpPr>
+        <p:cNvPr id="1" name=""/>
+        <p:cNvGrpSpPr/>
+        <p:nvPr/>
+      </p:nvGrpSpPr>
+      <p:grpSpPr>
+        <a:xfrm>
+          <a:off x="0" y="0"/>
+          <a:ext cx="0" cy="0"/>
+          <a:chOff x="0" y="0"/>
+          <a:chExt cx="0" cy="0"/>
+        </a:xfrm>
+      </p:grpSpPr>
+      <p:sp>
+        <p:nvSpPr>
+          <p:cNvPr id="2" name="Title 1">
+            <a:extLst>
+              <a:ext uri="{FF2B5EF4-FFF2-40B4-BE49-F238E27FC236}">
+                <a16:creationId xmlns:a16="http://schemas.microsoft.com/office/drawing/2014/main" id="{9902660D-4106-ACC4-5068-C01C0335DFFA}"/>
+              </a:ext>
+            </a:extLst>
+          </p:cNvPr>
+          <p:cNvSpPr>
+            <a:spLocks noGrp="1"/>
+          </p:cNvSpPr>
+          <p:nvPr>
+            <p:ph type="title"/>
+          </p:nvPr>
+        </p:nvSpPr>
+        <p:spPr/>
+        <p:txBody>
+          <a:bodyPr/>
+          <a:lstStyle/>
+          <a:p>
+            <a:r>
+              <a:rPr lang="en-US" dirty="0"/>
+              <a:t>Summary</a:t>
+            </a:r>
+            <a:endParaRPr lang="en-IN" dirty="0"/>
+          </a:p>
+        </p:txBody>
+      </p:sp>
+      <p:sp>
+        <p:nvSpPr>
+          <p:cNvPr id="3" name="Content Placeholder 2">
+            <a:extLst>
+              <a:ext uri="{FF2B5EF4-FFF2-40B4-BE49-F238E27FC236}">
+                <a16:creationId xmlns:a16="http://schemas.microsoft.com/office/drawing/2014/main" id="{414E5FFE-9D5F-0A08-344D-1D54E5B811D3}"/>
+              </a:ext>
+            </a:extLst>
+          </p:cNvPr>
+          <p:cNvSpPr>
+            <a:spLocks noGrp="1"/>
+          </p:cNvSpPr>
+          <p:nvPr>
+            <p:ph idx="1"/>
+          </p:nvPr>
+        </p:nvSpPr>
+        <p:spPr/>
+        <p:txBody>
+          <a:bodyPr>
+            <a:normAutofit fontScale="70000" lnSpcReduction="20000"/>
+          </a:bodyPr>
+          <a:lstStyle/>
+          <a:p>
+            <a:r>
+              <a:rPr lang="en-US" dirty="0"/>
+              <a:t>Git &amp; </a:t>
+            </a:r>
+            <a:r>
+              <a:rPr lang="en-US" dirty="0" err="1"/>
+              <a:t>Github</a:t>
+            </a:r>
+            <a:r>
+              <a:rPr lang="en-US" dirty="0"/>
+              <a:t> setup</a:t>
+            </a:r>
+          </a:p>
+          <a:p>
+            <a:r>
+              <a:rPr lang="en-US" dirty="0"/>
+              <a:t>Git commands</a:t>
+            </a:r>
+          </a:p>
+          <a:p>
+            <a:pPr lvl="1"/>
+            <a:r>
+              <a:rPr lang="en-US" dirty="0"/>
+              <a:t>config</a:t>
+            </a:r>
+          </a:p>
+          <a:p>
+            <a:pPr lvl="1"/>
+            <a:r>
+              <a:rPr lang="en-US" dirty="0" err="1"/>
+              <a:t>init</a:t>
+            </a:r>
+            <a:endParaRPr lang="en-US" dirty="0"/>
+          </a:p>
+          <a:p>
+            <a:pPr lvl="1"/>
+            <a:r>
+              <a:rPr lang="en-US" dirty="0"/>
+              <a:t>status</a:t>
+            </a:r>
+          </a:p>
+          <a:p>
+            <a:pPr lvl="1"/>
+            <a:r>
+              <a:rPr lang="en-US" dirty="0"/>
+              <a:t>add </a:t>
+            </a:r>
+          </a:p>
+          <a:p>
+            <a:pPr lvl="1"/>
+            <a:r>
+              <a:rPr lang="en-US" dirty="0"/>
+              <a:t>commit</a:t>
+            </a:r>
+          </a:p>
+          <a:p>
+            <a:pPr lvl="1"/>
+            <a:r>
+              <a:rPr lang="en-US" dirty="0"/>
+              <a:t>log</a:t>
+            </a:r>
+          </a:p>
+          <a:p>
+            <a:pPr lvl="1"/>
+            <a:r>
+              <a:rPr lang="en-US" dirty="0"/>
+              <a:t>diff</a:t>
+            </a:r>
+          </a:p>
+          <a:p>
+            <a:pPr lvl="1"/>
+            <a:r>
+              <a:rPr lang="en-US" dirty="0"/>
+              <a:t>rm</a:t>
+            </a:r>
+          </a:p>
+          <a:p>
+            <a:pPr lvl="1"/>
+            <a:r>
+              <a:rPr lang="en-US" dirty="0" err="1"/>
+              <a:t>gitignore</a:t>
+            </a:r>
+            <a:endParaRPr lang="en-US" dirty="0"/>
+          </a:p>
+          <a:p>
+            <a:pPr lvl="1"/>
+            <a:r>
+              <a:rPr lang="en-US" dirty="0"/>
+              <a:t>branch</a:t>
+            </a:r>
+          </a:p>
+          <a:p>
+            <a:pPr lvl="1"/>
+            <a:r>
+              <a:rPr lang="en-US" dirty="0"/>
+              <a:t>checkout</a:t>
+            </a:r>
+          </a:p>
+          <a:p>
+            <a:pPr lvl="1"/>
+            <a:r>
+              <a:rPr lang="en-US" dirty="0"/>
+              <a:t>merge</a:t>
+            </a:r>
+          </a:p>
+          <a:p>
+            <a:pPr lvl="1"/>
+            <a:r>
+              <a:rPr lang="en-US" dirty="0"/>
+              <a:t>remote</a:t>
+            </a:r>
+          </a:p>
+          <a:p>
+            <a:pPr lvl="1"/>
+            <a:r>
+              <a:rPr lang="en-US" dirty="0"/>
+              <a:t>push</a:t>
+            </a:r>
+          </a:p>
+          <a:p>
+            <a:pPr lvl="1"/>
+            <a:endParaRPr lang="en-US" dirty="0"/>
+          </a:p>
+        </p:txBody>
+      </p:sp>
+    </p:spTree>
+    <p:extLst>
+      <p:ext uri="{BB962C8B-B14F-4D97-AF65-F5344CB8AC3E}">
+        <p14:creationId xmlns:p14="http://schemas.microsoft.com/office/powerpoint/2010/main" val="2819887320"/>
       </p:ext>
     </p:extLst>
   </p:cSld>
